--- a/IOT Poster Pattern 97x67.pptx
+++ b/IOT Poster Pattern 97x67.pptx
@@ -4,6 +4,9 @@
   <p:sldMasterIdLst>
     <p:sldMasterId id="2147483648" r:id="rId1"/>
   </p:sldMasterIdLst>
+  <p:notesMasterIdLst>
+    <p:notesMasterId r:id="rId3"/>
+  </p:notesMasterIdLst>
   <p:sldIdLst>
     <p:sldId id="256" r:id="rId2"/>
   </p:sldIdLst>
@@ -123,6 +126,440 @@
 </p:presentation>
 </file>
 
+<file path=ppt/notesMasters/notesMaster1.xml><?xml version="1.0" encoding="utf-8"?>
+<p:notesMaster xmlns:a="http://schemas.openxmlformats.org/drawingml/2006/main" xmlns:r="http://schemas.openxmlformats.org/officeDocument/2006/relationships" xmlns:p="http://schemas.openxmlformats.org/presentationml/2006/main">
+  <p:cSld>
+    <p:bg>
+      <p:bgRef idx="1001">
+        <a:schemeClr val="bg1"/>
+      </p:bgRef>
+    </p:bg>
+    <p:spTree>
+      <p:nvGrpSpPr>
+        <p:cNvPr id="1" name=""/>
+        <p:cNvGrpSpPr/>
+        <p:nvPr/>
+      </p:nvGrpSpPr>
+      <p:grpSpPr>
+        <a:xfrm>
+          <a:off x="0" y="0"/>
+          <a:ext cx="0" cy="0"/>
+          <a:chOff x="0" y="0"/>
+          <a:chExt cx="0" cy="0"/>
+        </a:xfrm>
+      </p:grpSpPr>
+      <p:sp>
+        <p:nvSpPr>
+          <p:cNvPr id="2" name="Header Placeholder 1"/>
+          <p:cNvSpPr>
+            <a:spLocks noGrp="1"/>
+          </p:cNvSpPr>
+          <p:nvPr>
+            <p:ph type="hdr" sz="quarter"/>
+          </p:nvPr>
+        </p:nvSpPr>
+        <p:spPr>
+          <a:xfrm>
+            <a:off x="0" y="0"/>
+            <a:ext cx="6097588" cy="1008063"/>
+          </a:xfrm>
+          <a:prstGeom prst="rect">
+            <a:avLst/>
+          </a:prstGeom>
+        </p:spPr>
+        <p:txBody>
+          <a:bodyPr vert="horz" lIns="91440" tIns="45720" rIns="91440" bIns="45720" rtlCol="0"/>
+          <a:lstStyle>
+            <a:lvl1pPr algn="l">
+              <a:defRPr sz="1200"/>
+            </a:lvl1pPr>
+          </a:lstStyle>
+          <a:p>
+            <a:endParaRPr lang="en-IL"/>
+          </a:p>
+        </p:txBody>
+      </p:sp>
+      <p:sp>
+        <p:nvSpPr>
+          <p:cNvPr id="3" name="Date Placeholder 2"/>
+          <p:cNvSpPr>
+            <a:spLocks noGrp="1"/>
+          </p:cNvSpPr>
+          <p:nvPr>
+            <p:ph type="dt" idx="1"/>
+          </p:nvPr>
+        </p:nvSpPr>
+        <p:spPr>
+          <a:xfrm>
+            <a:off x="7970838" y="0"/>
+            <a:ext cx="6097587" cy="1008063"/>
+          </a:xfrm>
+          <a:prstGeom prst="rect">
+            <a:avLst/>
+          </a:prstGeom>
+        </p:spPr>
+        <p:txBody>
+          <a:bodyPr vert="horz" lIns="91440" tIns="45720" rIns="91440" bIns="45720" rtlCol="0"/>
+          <a:lstStyle>
+            <a:lvl1pPr algn="r">
+              <a:defRPr sz="1200"/>
+            </a:lvl1pPr>
+          </a:lstStyle>
+          <a:p>
+            <a:fld id="{B784F0CB-B091-EA40-A2AE-C3988E6FDF8F}" type="datetimeFigureOut">
+              <a:rPr lang="en-IL" smtClean="0"/>
+              <a:t>09/01/2022</a:t>
+            </a:fld>
+            <a:endParaRPr lang="en-IL"/>
+          </a:p>
+        </p:txBody>
+      </p:sp>
+      <p:sp>
+        <p:nvSpPr>
+          <p:cNvPr id="4" name="Slide Image Placeholder 3"/>
+          <p:cNvSpPr>
+            <a:spLocks noGrp="1" noRot="1" noChangeAspect="1"/>
+          </p:cNvSpPr>
+          <p:nvPr>
+            <p:ph type="sldImg" idx="2"/>
+          </p:nvPr>
+        </p:nvSpPr>
+        <p:spPr>
+          <a:xfrm>
+            <a:off x="4692650" y="2513013"/>
+            <a:ext cx="4686300" cy="6784975"/>
+          </a:xfrm>
+          <a:prstGeom prst="rect">
+            <a:avLst/>
+          </a:prstGeom>
+          <a:noFill/>
+          <a:ln w="12700">
+            <a:solidFill>
+              <a:prstClr val="black"/>
+            </a:solidFill>
+          </a:ln>
+        </p:spPr>
+        <p:txBody>
+          <a:bodyPr vert="horz" lIns="91440" tIns="45720" rIns="91440" bIns="45720" rtlCol="0" anchor="ctr"/>
+          <a:lstStyle/>
+          <a:p>
+            <a:endParaRPr lang="en-IL"/>
+          </a:p>
+        </p:txBody>
+      </p:sp>
+      <p:sp>
+        <p:nvSpPr>
+          <p:cNvPr id="5" name="Notes Placeholder 4"/>
+          <p:cNvSpPr>
+            <a:spLocks noGrp="1"/>
+          </p:cNvSpPr>
+          <p:nvPr>
+            <p:ph type="body" sz="quarter" idx="3"/>
+          </p:nvPr>
+        </p:nvSpPr>
+        <p:spPr>
+          <a:xfrm>
+            <a:off x="1406525" y="9675813"/>
+            <a:ext cx="11258550" cy="7915275"/>
+          </a:xfrm>
+          <a:prstGeom prst="rect">
+            <a:avLst/>
+          </a:prstGeom>
+        </p:spPr>
+        <p:txBody>
+          <a:bodyPr vert="horz" lIns="91440" tIns="45720" rIns="91440" bIns="45720" rtlCol="0"/>
+          <a:lstStyle/>
+          <a:p>
+            <a:pPr lvl="0"/>
+            <a:r>
+              <a:rPr lang="en-US"/>
+              <a:t>Click to edit Master text styles</a:t>
+            </a:r>
+          </a:p>
+          <a:p>
+            <a:pPr lvl="1"/>
+            <a:r>
+              <a:rPr lang="en-US"/>
+              <a:t>Second level</a:t>
+            </a:r>
+          </a:p>
+          <a:p>
+            <a:pPr lvl="2"/>
+            <a:r>
+              <a:rPr lang="en-US"/>
+              <a:t>Third level</a:t>
+            </a:r>
+          </a:p>
+          <a:p>
+            <a:pPr lvl="3"/>
+            <a:r>
+              <a:rPr lang="en-US"/>
+              <a:t>Fourth level</a:t>
+            </a:r>
+          </a:p>
+          <a:p>
+            <a:pPr lvl="4"/>
+            <a:r>
+              <a:rPr lang="en-US"/>
+              <a:t>Fifth level</a:t>
+            </a:r>
+            <a:endParaRPr lang="en-IL"/>
+          </a:p>
+        </p:txBody>
+      </p:sp>
+      <p:sp>
+        <p:nvSpPr>
+          <p:cNvPr id="6" name="Footer Placeholder 5"/>
+          <p:cNvSpPr>
+            <a:spLocks noGrp="1"/>
+          </p:cNvSpPr>
+          <p:nvPr>
+            <p:ph type="ftr" sz="quarter" idx="4"/>
+          </p:nvPr>
+        </p:nvSpPr>
+        <p:spPr>
+          <a:xfrm>
+            <a:off x="0" y="19096038"/>
+            <a:ext cx="6097588" cy="1008062"/>
+          </a:xfrm>
+          <a:prstGeom prst="rect">
+            <a:avLst/>
+          </a:prstGeom>
+        </p:spPr>
+        <p:txBody>
+          <a:bodyPr vert="horz" lIns="91440" tIns="45720" rIns="91440" bIns="45720" rtlCol="0" anchor="b"/>
+          <a:lstStyle>
+            <a:lvl1pPr algn="l">
+              <a:defRPr sz="1200"/>
+            </a:lvl1pPr>
+          </a:lstStyle>
+          <a:p>
+            <a:endParaRPr lang="en-IL"/>
+          </a:p>
+        </p:txBody>
+      </p:sp>
+      <p:sp>
+        <p:nvSpPr>
+          <p:cNvPr id="7" name="Slide Number Placeholder 6"/>
+          <p:cNvSpPr>
+            <a:spLocks noGrp="1"/>
+          </p:cNvSpPr>
+          <p:nvPr>
+            <p:ph type="sldNum" sz="quarter" idx="5"/>
+          </p:nvPr>
+        </p:nvSpPr>
+        <p:spPr>
+          <a:xfrm>
+            <a:off x="7970838" y="19096038"/>
+            <a:ext cx="6097587" cy="1008062"/>
+          </a:xfrm>
+          <a:prstGeom prst="rect">
+            <a:avLst/>
+          </a:prstGeom>
+        </p:spPr>
+        <p:txBody>
+          <a:bodyPr vert="horz" lIns="91440" tIns="45720" rIns="91440" bIns="45720" rtlCol="0" anchor="b"/>
+          <a:lstStyle>
+            <a:lvl1pPr algn="r">
+              <a:defRPr sz="1200"/>
+            </a:lvl1pPr>
+          </a:lstStyle>
+          <a:p>
+            <a:fld id="{8C3E23C8-5146-FD4E-81B4-2C24753FEF36}" type="slidenum">
+              <a:rPr lang="en-IL" smtClean="0"/>
+              <a:t>‹#›</a:t>
+            </a:fld>
+            <a:endParaRPr lang="en-IL"/>
+          </a:p>
+        </p:txBody>
+      </p:sp>
+    </p:spTree>
+    <p:extLst>
+      <p:ext uri="{BB962C8B-B14F-4D97-AF65-F5344CB8AC3E}">
+        <p14:creationId xmlns:p14="http://schemas.microsoft.com/office/powerpoint/2010/main" val="3070910872"/>
+      </p:ext>
+    </p:extLst>
+  </p:cSld>
+  <p:clrMap bg1="lt1" tx1="dk1" bg2="lt2" tx2="dk2" accent1="accent1" accent2="accent2" accent3="accent3" accent4="accent4" accent5="accent5" accent6="accent6" hlink="hlink" folHlink="folHlink"/>
+  <p:notesStyle>
+    <a:lvl1pPr marL="0" algn="l" defTabSz="914400" rtl="0" eaLnBrk="1" latinLnBrk="0" hangingPunct="1">
+      <a:defRPr sz="1200" kern="1200">
+        <a:solidFill>
+          <a:schemeClr val="tx1"/>
+        </a:solidFill>
+        <a:latin typeface="+mn-lt"/>
+        <a:ea typeface="+mn-ea"/>
+        <a:cs typeface="+mn-cs"/>
+      </a:defRPr>
+    </a:lvl1pPr>
+    <a:lvl2pPr marL="457200" algn="l" defTabSz="914400" rtl="0" eaLnBrk="1" latinLnBrk="0" hangingPunct="1">
+      <a:defRPr sz="1200" kern="1200">
+        <a:solidFill>
+          <a:schemeClr val="tx1"/>
+        </a:solidFill>
+        <a:latin typeface="+mn-lt"/>
+        <a:ea typeface="+mn-ea"/>
+        <a:cs typeface="+mn-cs"/>
+      </a:defRPr>
+    </a:lvl2pPr>
+    <a:lvl3pPr marL="914400" algn="l" defTabSz="914400" rtl="0" eaLnBrk="1" latinLnBrk="0" hangingPunct="1">
+      <a:defRPr sz="1200" kern="1200">
+        <a:solidFill>
+          <a:schemeClr val="tx1"/>
+        </a:solidFill>
+        <a:latin typeface="+mn-lt"/>
+        <a:ea typeface="+mn-ea"/>
+        <a:cs typeface="+mn-cs"/>
+      </a:defRPr>
+    </a:lvl3pPr>
+    <a:lvl4pPr marL="1371600" algn="l" defTabSz="914400" rtl="0" eaLnBrk="1" latinLnBrk="0" hangingPunct="1">
+      <a:defRPr sz="1200" kern="1200">
+        <a:solidFill>
+          <a:schemeClr val="tx1"/>
+        </a:solidFill>
+        <a:latin typeface="+mn-lt"/>
+        <a:ea typeface="+mn-ea"/>
+        <a:cs typeface="+mn-cs"/>
+      </a:defRPr>
+    </a:lvl4pPr>
+    <a:lvl5pPr marL="1828800" algn="l" defTabSz="914400" rtl="0" eaLnBrk="1" latinLnBrk="0" hangingPunct="1">
+      <a:defRPr sz="1200" kern="1200">
+        <a:solidFill>
+          <a:schemeClr val="tx1"/>
+        </a:solidFill>
+        <a:latin typeface="+mn-lt"/>
+        <a:ea typeface="+mn-ea"/>
+        <a:cs typeface="+mn-cs"/>
+      </a:defRPr>
+    </a:lvl5pPr>
+    <a:lvl6pPr marL="2286000" algn="l" defTabSz="914400" rtl="0" eaLnBrk="1" latinLnBrk="0" hangingPunct="1">
+      <a:defRPr sz="1200" kern="1200">
+        <a:solidFill>
+          <a:schemeClr val="tx1"/>
+        </a:solidFill>
+        <a:latin typeface="+mn-lt"/>
+        <a:ea typeface="+mn-ea"/>
+        <a:cs typeface="+mn-cs"/>
+      </a:defRPr>
+    </a:lvl6pPr>
+    <a:lvl7pPr marL="2743200" algn="l" defTabSz="914400" rtl="0" eaLnBrk="1" latinLnBrk="0" hangingPunct="1">
+      <a:defRPr sz="1200" kern="1200">
+        <a:solidFill>
+          <a:schemeClr val="tx1"/>
+        </a:solidFill>
+        <a:latin typeface="+mn-lt"/>
+        <a:ea typeface="+mn-ea"/>
+        <a:cs typeface="+mn-cs"/>
+      </a:defRPr>
+    </a:lvl7pPr>
+    <a:lvl8pPr marL="3200400" algn="l" defTabSz="914400" rtl="0" eaLnBrk="1" latinLnBrk="0" hangingPunct="1">
+      <a:defRPr sz="1200" kern="1200">
+        <a:solidFill>
+          <a:schemeClr val="tx1"/>
+        </a:solidFill>
+        <a:latin typeface="+mn-lt"/>
+        <a:ea typeface="+mn-ea"/>
+        <a:cs typeface="+mn-cs"/>
+      </a:defRPr>
+    </a:lvl8pPr>
+    <a:lvl9pPr marL="3657600" algn="l" defTabSz="914400" rtl="0" eaLnBrk="1" latinLnBrk="0" hangingPunct="1">
+      <a:defRPr sz="1200" kern="1200">
+        <a:solidFill>
+          <a:schemeClr val="tx1"/>
+        </a:solidFill>
+        <a:latin typeface="+mn-lt"/>
+        <a:ea typeface="+mn-ea"/>
+        <a:cs typeface="+mn-cs"/>
+      </a:defRPr>
+    </a:lvl9pPr>
+  </p:notesStyle>
+</p:notesMaster>
+</file>
+
+<file path=ppt/notesSlides/notesSlide1.xml><?xml version="1.0" encoding="utf-8"?>
+<p:notes xmlns:a="http://schemas.openxmlformats.org/drawingml/2006/main" xmlns:r="http://schemas.openxmlformats.org/officeDocument/2006/relationships" xmlns:p="http://schemas.openxmlformats.org/presentationml/2006/main">
+  <p:cSld>
+    <p:spTree>
+      <p:nvGrpSpPr>
+        <p:cNvPr id="1" name=""/>
+        <p:cNvGrpSpPr/>
+        <p:nvPr/>
+      </p:nvGrpSpPr>
+      <p:grpSpPr>
+        <a:xfrm>
+          <a:off x="0" y="0"/>
+          <a:ext cx="0" cy="0"/>
+          <a:chOff x="0" y="0"/>
+          <a:chExt cx="0" cy="0"/>
+        </a:xfrm>
+      </p:grpSpPr>
+      <p:sp>
+        <p:nvSpPr>
+          <p:cNvPr id="2" name="Slide Image Placeholder 1"/>
+          <p:cNvSpPr>
+            <a:spLocks noGrp="1" noRot="1" noChangeAspect="1"/>
+          </p:cNvSpPr>
+          <p:nvPr>
+            <p:ph type="sldImg"/>
+          </p:nvPr>
+        </p:nvSpPr>
+        <p:spPr/>
+      </p:sp>
+      <p:sp>
+        <p:nvSpPr>
+          <p:cNvPr id="3" name="Notes Placeholder 2"/>
+          <p:cNvSpPr>
+            <a:spLocks noGrp="1"/>
+          </p:cNvSpPr>
+          <p:nvPr>
+            <p:ph type="body" idx="1"/>
+          </p:nvPr>
+        </p:nvSpPr>
+        <p:spPr/>
+        <p:txBody>
+          <a:bodyPr/>
+          <a:lstStyle/>
+          <a:p>
+            <a:endParaRPr lang="en-IL" dirty="0"/>
+          </a:p>
+        </p:txBody>
+      </p:sp>
+      <p:sp>
+        <p:nvSpPr>
+          <p:cNvPr id="4" name="Slide Number Placeholder 3"/>
+          <p:cNvSpPr>
+            <a:spLocks noGrp="1"/>
+          </p:cNvSpPr>
+          <p:nvPr>
+            <p:ph type="sldNum" sz="quarter" idx="5"/>
+          </p:nvPr>
+        </p:nvSpPr>
+        <p:spPr/>
+        <p:txBody>
+          <a:bodyPr/>
+          <a:lstStyle/>
+          <a:p>
+            <a:fld id="{8C3E23C8-5146-FD4E-81B4-2C24753FEF36}" type="slidenum">
+              <a:rPr lang="en-IL" smtClean="0"/>
+              <a:t>1</a:t>
+            </a:fld>
+            <a:endParaRPr lang="en-IL"/>
+          </a:p>
+        </p:txBody>
+      </p:sp>
+    </p:spTree>
+    <p:extLst>
+      <p:ext uri="{BB962C8B-B14F-4D97-AF65-F5344CB8AC3E}">
+        <p14:creationId xmlns:p14="http://schemas.microsoft.com/office/powerpoint/2010/main" val="1105894011"/>
+      </p:ext>
+    </p:extLst>
+  </p:cSld>
+  <p:clrMapOvr>
+    <a:masterClrMapping/>
+  </p:clrMapOvr>
+</p:notes>
+</file>
+
 <file path=ppt/slideLayouts/slideLayout1.xml><?xml version="1.0" encoding="utf-8"?>
 <p:sldLayout xmlns:a="http://schemas.openxmlformats.org/drawingml/2006/main" xmlns:r="http://schemas.openxmlformats.org/officeDocument/2006/relationships" xmlns:p="http://schemas.openxmlformats.org/presentationml/2006/main" type="obj" preserve="1">
   <p:cSld name="Title Slide">
@@ -262,7 +699,7 @@
           <a:p>
             <a:fld id="{1D8BD707-D9CF-40AE-B4C6-C98DA3205C09}" type="datetimeFigureOut">
               <a:rPr lang="en-US"/>
-              <a:t>12/28/21</a:t>
+              <a:t>1/9/22</a:t>
             </a:fld>
             <a:endParaRPr lang="en-US"/>
           </a:p>
@@ -427,7 +864,7 @@
           <a:p>
             <a:fld id="{1D8BD707-D9CF-40AE-B4C6-C98DA3205C09}" type="datetimeFigureOut">
               <a:rPr lang="en-US"/>
-              <a:t>12/28/21</a:t>
+              <a:t>1/9/22</a:t>
             </a:fld>
             <a:endParaRPr lang="en-US"/>
           </a:p>
@@ -635,7 +1072,7 @@
           <a:p>
             <a:fld id="{1D8BD707-D9CF-40AE-B4C6-C98DA3205C09}" type="datetimeFigureOut">
               <a:rPr lang="en-US"/>
-              <a:t>12/28/21</a:t>
+              <a:t>1/9/22</a:t>
             </a:fld>
             <a:endParaRPr lang="en-US"/>
           </a:p>
@@ -777,7 +1214,7 @@
           <a:p>
             <a:fld id="{1D8BD707-D9CF-40AE-B4C6-C98DA3205C09}" type="datetimeFigureOut">
               <a:rPr lang="en-US"/>
-              <a:t>12/28/21</a:t>
+              <a:t>1/9/22</a:t>
             </a:fld>
             <a:endParaRPr lang="en-US"/>
           </a:p>
@@ -896,7 +1333,7 @@
           <a:p>
             <a:fld id="{1D8BD707-D9CF-40AE-B4C6-C98DA3205C09}" type="datetimeFigureOut">
               <a:rPr lang="en-US"/>
-              <a:t>12/28/21</a:t>
+              <a:t>1/9/22</a:t>
             </a:fld>
             <a:endParaRPr lang="en-US"/>
           </a:p>
@@ -7693,7 +8130,7 @@
           <a:p>
             <a:fld id="{1D8BD707-D9CF-40AE-B4C6-C98DA3205C09}" type="datetimeFigureOut">
               <a:rPr lang="en-US"/>
-              <a:t>12/28/21</a:t>
+              <a:t>1/9/22</a:t>
             </a:fld>
             <a:endParaRPr lang="en-US"/>
           </a:p>
@@ -7996,27 +8433,73 @@
               </a:spcBef>
             </a:pPr>
             <a:r>
-              <a:rPr sz="8485" b="1" spc="-128" dirty="0">
+              <a:rPr lang="en-US" sz="8485" b="1" spc="-128" dirty="0">
                 <a:solidFill>
                   <a:srgbClr val="231F20"/>
                 </a:solidFill>
                 <a:latin typeface="Arial"/>
                 <a:cs typeface="Arial"/>
               </a:rPr>
-              <a:t>Your </a:t>
+              <a:t>Color Robot</a:t>
             </a:r>
+            <a:endParaRPr lang="he-IL" sz="8485" b="1" spc="43" dirty="0">
+              <a:solidFill>
+                <a:srgbClr val="231F20"/>
+              </a:solidFill>
+              <a:latin typeface="Arial"/>
+              <a:cs typeface="Arial"/>
+            </a:endParaRPr>
+          </a:p>
+        </p:txBody>
+      </p:sp>
+      <p:sp>
+        <p:nvSpPr>
+          <p:cNvPr id="5" name="object 5"/>
+          <p:cNvSpPr txBox="1"/>
+          <p:nvPr/>
+        </p:nvSpPr>
+        <p:spPr>
+          <a:xfrm>
+            <a:off x="1577928" y="32717262"/>
+            <a:ext cx="10117630" cy="704583"/>
+          </a:xfrm>
+          <a:prstGeom prst="rect">
+            <a:avLst/>
+          </a:prstGeom>
+        </p:spPr>
+        <p:txBody>
+          <a:bodyPr vert="horz" wrap="square" lIns="0" tIns="27209" rIns="0" bIns="0" rtlCol="0">
+            <a:spAutoFit/>
+          </a:bodyPr>
+          <a:lstStyle/>
+          <a:p>
+            <a:pPr marL="22742">
+              <a:spcBef>
+                <a:spcPts val="224"/>
+              </a:spcBef>
+            </a:pPr>
             <a:r>
-              <a:rPr lang="en-US" sz="8485" b="1" spc="9" dirty="0">
+              <a:rPr lang="en-US" sz="4400" b="1" spc="27" dirty="0">
                 <a:solidFill>
                   <a:srgbClr val="231F20"/>
                 </a:solidFill>
                 <a:latin typeface="Arial"/>
                 <a:cs typeface="Arial"/>
               </a:rPr>
-              <a:t>project</a:t>
+              <a:t>A </a:t>
             </a:r>
             <a:r>
-              <a:rPr sz="8485" b="1" spc="275" dirty="0">
+              <a:rPr lang="en-US" sz="4400" b="1" spc="18" dirty="0">
+                <a:solidFill>
+                  <a:srgbClr val="231F20"/>
+                </a:solidFill>
+                <a:latin typeface="Arial"/>
+                <a:cs typeface="Arial"/>
+              </a:rPr>
+              <a:t>Project in Internet of Things</a:t>
+            </a:r>
+            <a:r>
+              <a:rPr lang="en-US" sz="4400" b="1" spc="224" dirty="0">
                 <a:solidFill>
                   <a:srgbClr val="231F20"/>
                 </a:solidFill>
@@ -8026,205 +8509,7 @@
               <a:t> </a:t>
             </a:r>
             <a:r>
-              <a:rPr sz="8485" b="1" spc="43" dirty="0">
-                <a:solidFill>
-                  <a:srgbClr val="231F20"/>
-                </a:solidFill>
-                <a:latin typeface="Arial"/>
-                <a:cs typeface="Arial"/>
-              </a:rPr>
-              <a:t>name</a:t>
-            </a:r>
-            <a:endParaRPr lang="he-IL" sz="8485" b="1" spc="43" dirty="0">
-              <a:solidFill>
-                <a:srgbClr val="231F20"/>
-              </a:solidFill>
-              <a:latin typeface="Arial"/>
-              <a:cs typeface="Arial"/>
-            </a:endParaRPr>
-          </a:p>
-        </p:txBody>
-      </p:sp>
-      <p:sp>
-        <p:nvSpPr>
-          <p:cNvPr id="3" name="object 3"/>
-          <p:cNvSpPr txBox="1"/>
-          <p:nvPr/>
-        </p:nvSpPr>
-        <p:spPr>
-          <a:xfrm>
-            <a:off x="1582205" y="5400037"/>
-            <a:ext cx="5992532" cy="2794828"/>
-          </a:xfrm>
-          <a:prstGeom prst="rect">
-            <a:avLst/>
-          </a:prstGeom>
-          <a:solidFill>
-            <a:srgbClr val="FBF9F9"/>
-          </a:solidFill>
-        </p:spPr>
-        <p:txBody>
-          <a:bodyPr vert="horz" wrap="square" lIns="0" tIns="931640" rIns="0" bIns="0" rtlCol="0">
-            <a:spAutoFit/>
-          </a:bodyPr>
-          <a:lstStyle/>
-          <a:p>
-            <a:pPr marL="1850326" marR="1133052" indent="-698770">
-              <a:lnSpc>
-                <a:spcPct val="71100"/>
-              </a:lnSpc>
-              <a:spcBef>
-                <a:spcPts val="7336"/>
-              </a:spcBef>
-            </a:pPr>
-            <a:r>
-              <a:rPr sz="8485" b="1" spc="26" dirty="0">
-                <a:solidFill>
-                  <a:srgbClr val="231F20"/>
-                </a:solidFill>
-                <a:latin typeface="Arial"/>
-                <a:cs typeface="Arial"/>
-              </a:rPr>
-              <a:t>Project  </a:t>
-            </a:r>
-            <a:r>
-              <a:rPr sz="8485" b="1" spc="43" dirty="0">
-                <a:solidFill>
-                  <a:srgbClr val="231F20"/>
-                </a:solidFill>
-                <a:latin typeface="Arial"/>
-                <a:cs typeface="Arial"/>
-              </a:rPr>
-              <a:t>logo</a:t>
-            </a:r>
-            <a:endParaRPr sz="8485" dirty="0">
-              <a:latin typeface="Arial"/>
-              <a:cs typeface="Arial"/>
-            </a:endParaRPr>
-          </a:p>
-        </p:txBody>
-      </p:sp>
-      <p:sp>
-        <p:nvSpPr>
-          <p:cNvPr id="4" name="object 4"/>
-          <p:cNvSpPr txBox="1"/>
-          <p:nvPr/>
-        </p:nvSpPr>
-        <p:spPr>
-          <a:xfrm>
-            <a:off x="2657397" y="10054257"/>
-            <a:ext cx="18851640" cy="1328821"/>
-          </a:xfrm>
-          <a:prstGeom prst="rect">
-            <a:avLst/>
-          </a:prstGeom>
-        </p:spPr>
-        <p:txBody>
-          <a:bodyPr vert="horz" wrap="square" lIns="0" tIns="22856" rIns="0" bIns="0" rtlCol="0">
-            <a:spAutoFit/>
-          </a:bodyPr>
-          <a:lstStyle/>
-          <a:p>
-            <a:pPr marL="21769" algn="ctr">
-              <a:spcBef>
-                <a:spcPts val="180"/>
-              </a:spcBef>
-            </a:pPr>
-            <a:r>
-              <a:rPr lang="en-US" sz="8485" b="1" spc="17" dirty="0">
-                <a:solidFill>
-                  <a:srgbClr val="231F20"/>
-                </a:solidFill>
-                <a:latin typeface="Arial"/>
-                <a:cs typeface="Arial"/>
-              </a:rPr>
-              <a:t>Project</a:t>
-            </a:r>
-            <a:r>
-              <a:rPr sz="8485" b="1" spc="-26" dirty="0">
-                <a:solidFill>
-                  <a:srgbClr val="231F20"/>
-                </a:solidFill>
-                <a:latin typeface="Arial"/>
-                <a:cs typeface="Arial"/>
-              </a:rPr>
-              <a:t> </a:t>
-            </a:r>
-            <a:r>
-              <a:rPr lang="en-US" sz="8485" b="1" spc="-26" dirty="0">
-                <a:solidFill>
-                  <a:srgbClr val="231F20"/>
-                </a:solidFill>
-                <a:latin typeface="Arial"/>
-                <a:cs typeface="Arial"/>
-              </a:rPr>
-              <a:t>short description (tagline)</a:t>
-            </a:r>
-            <a:endParaRPr sz="8485" dirty="0">
-              <a:latin typeface="Arial"/>
-              <a:cs typeface="Arial"/>
-            </a:endParaRPr>
-          </a:p>
-        </p:txBody>
-      </p:sp>
-      <p:sp>
-        <p:nvSpPr>
-          <p:cNvPr id="5" name="object 5"/>
-          <p:cNvSpPr txBox="1"/>
-          <p:nvPr/>
-        </p:nvSpPr>
-        <p:spPr>
-          <a:xfrm>
-            <a:off x="1577928" y="32717262"/>
-            <a:ext cx="10117630" cy="704583"/>
-          </a:xfrm>
-          <a:prstGeom prst="rect">
-            <a:avLst/>
-          </a:prstGeom>
-        </p:spPr>
-        <p:txBody>
-          <a:bodyPr vert="horz" wrap="square" lIns="0" tIns="27209" rIns="0" bIns="0" rtlCol="0">
-            <a:spAutoFit/>
-          </a:bodyPr>
-          <a:lstStyle/>
-          <a:p>
-            <a:pPr marL="22742">
-              <a:spcBef>
-                <a:spcPts val="224"/>
-              </a:spcBef>
-            </a:pPr>
-            <a:r>
-              <a:rPr lang="en-US" sz="4400" b="1" spc="27">
-                <a:solidFill>
-                  <a:srgbClr val="231F20"/>
-                </a:solidFill>
-                <a:latin typeface="Arial"/>
-                <a:cs typeface="Arial"/>
-              </a:rPr>
-              <a:t>A </a:t>
-            </a:r>
-            <a:r>
-              <a:rPr lang="en-US" sz="4400" b="1" spc="18">
-                <a:solidFill>
-                  <a:srgbClr val="231F20"/>
-                </a:solidFill>
-                <a:latin typeface="Arial"/>
-                <a:cs typeface="Arial"/>
-              </a:rPr>
-              <a:t>Project in Internet of Things</a:t>
-            </a:r>
-            <a:r>
-              <a:rPr lang="en-US" sz="4400" b="1" spc="224">
-                <a:solidFill>
-                  <a:srgbClr val="231F20"/>
-                </a:solidFill>
-                <a:latin typeface="Arial"/>
-                <a:cs typeface="Arial"/>
-              </a:rPr>
-              <a:t> </a:t>
-            </a:r>
-            <a:r>
-              <a:rPr lang="en-US" sz="4400" b="1" spc="18">
+              <a:rPr lang="en-US" sz="4400" b="1" spc="18" dirty="0">
                 <a:solidFill>
                   <a:srgbClr val="231F20"/>
                 </a:solidFill>
@@ -8237,35 +8522,6 @@
               <a:latin typeface="Arial"/>
               <a:cs typeface="Arial"/>
             </a:endParaRPr>
-          </a:p>
-        </p:txBody>
-      </p:sp>
-      <p:sp>
-        <p:nvSpPr>
-          <p:cNvPr id="8" name="object 8"/>
-          <p:cNvSpPr/>
-          <p:nvPr/>
-        </p:nvSpPr>
-        <p:spPr>
-          <a:xfrm>
-            <a:off x="4476112" y="30703066"/>
-            <a:ext cx="15205398" cy="1046132"/>
-          </a:xfrm>
-          <a:prstGeom prst="rect">
-            <a:avLst/>
-          </a:prstGeom>
-          <a:blipFill>
-            <a:blip r:embed="rId2" cstate="print"/>
-            <a:stretch>
-              <a:fillRect/>
-            </a:stretch>
-          </a:blipFill>
-        </p:spPr>
-        <p:txBody>
-          <a:bodyPr wrap="square" lIns="0" tIns="0" rIns="0" bIns="0" rtlCol="0"/>
-          <a:lstStyle/>
-          <a:p>
-            <a:endParaRPr sz="5524"/>
           </a:p>
         </p:txBody>
       </p:sp>
@@ -8583,65 +8839,6 @@
       </p:sp>
       <p:sp>
         <p:nvSpPr>
-          <p:cNvPr id="19" name="TextBox 18">
-            <a:extLst>
-              <a:ext uri="{FF2B5EF4-FFF2-40B4-BE49-F238E27FC236}">
-                <a16:creationId xmlns:a16="http://schemas.microsoft.com/office/drawing/2014/main" id="{27F2AE83-2483-492A-B15B-034D4BD6262E}"/>
-              </a:ext>
-            </a:extLst>
-          </p:cNvPr>
-          <p:cNvSpPr txBox="1"/>
-          <p:nvPr/>
-        </p:nvSpPr>
-        <p:spPr>
-          <a:xfrm>
-            <a:off x="4884602" y="12563161"/>
-            <a:ext cx="14782676" cy="2875787"/>
-          </a:xfrm>
-          <a:prstGeom prst="rect">
-            <a:avLst/>
-          </a:prstGeom>
-          <a:noFill/>
-        </p:spPr>
-        <p:txBody>
-          <a:bodyPr wrap="square" rtlCol="1">
-            <a:spAutoFit/>
-          </a:bodyPr>
-          <a:lstStyle/>
-          <a:p>
-            <a:pPr algn="ctr"/>
-            <a:r>
-              <a:rPr lang="en-US" sz="6029" b="1" dirty="0"/>
-              <a:t>Project description:</a:t>
-            </a:r>
-          </a:p>
-          <a:p>
-            <a:pPr algn="ctr"/>
-            <a:r>
-              <a:rPr lang="en-US" sz="6029" b="1" dirty="0"/>
-              <a:t>Why it’s needed, What it does</a:t>
-            </a:r>
-          </a:p>
-          <a:p>
-            <a:pPr algn="ctr"/>
-            <a:r>
-              <a:rPr lang="en-US" sz="6029" b="1" dirty="0"/>
-              <a:t>What makes it unique , </a:t>
-            </a:r>
-            <a:r>
-              <a:rPr lang="en-US" sz="6029" b="1" dirty="0" err="1"/>
-              <a:t>etc</a:t>
-            </a:r>
-            <a:r>
-              <a:rPr lang="en-US" sz="6029" b="1" dirty="0"/>
-              <a:t>…</a:t>
-            </a:r>
-            <a:endParaRPr lang="he-IL" sz="6029" b="1" dirty="0"/>
-          </a:p>
-        </p:txBody>
-      </p:sp>
-      <p:sp>
-        <p:nvSpPr>
           <p:cNvPr id="20" name="TextBox 19">
             <a:extLst>
               <a:ext uri="{FF2B5EF4-FFF2-40B4-BE49-F238E27FC236}">
@@ -8654,8 +8851,8 @@
         </p:nvSpPr>
         <p:spPr>
           <a:xfrm>
-            <a:off x="1650732" y="18133167"/>
-            <a:ext cx="21326998" cy="2875787"/>
+            <a:off x="1396738" y="10932208"/>
+            <a:ext cx="21326998" cy="3785652"/>
           </a:xfrm>
           <a:prstGeom prst="rect">
             <a:avLst/>
@@ -8670,17 +8867,31 @@
           <a:p>
             <a:pPr algn="ctr"/>
             <a:r>
-              <a:rPr lang="en-US" sz="6029" b="1" dirty="0"/>
-              <a:t>1-2 Photos of your physical project (if relevant)</a:t>
+              <a:rPr lang="en-US" sz="4800" b="1" dirty="0"/>
+              <a:t>This unique robot allows you to draw digitally whatever </a:t>
             </a:r>
           </a:p>
           <a:p>
             <a:pPr algn="ctr"/>
             <a:r>
-              <a:rPr lang="en-US" sz="6029" b="1" dirty="0"/>
-              <a:t>Screenshots of the main screens of your app (if relevant) With short descriptions of what’s on the screen.</a:t>
+              <a:rPr lang="en-US" sz="4800" b="1" dirty="0"/>
+              <a:t>comes to your mind and see it implemented physically on a paper</a:t>
             </a:r>
-            <a:endParaRPr lang="he-IL" sz="6029" b="1" dirty="0"/>
+          </a:p>
+          <a:p>
+            <a:pPr algn="ctr"/>
+            <a:r>
+              <a:rPr lang="en-US" sz="4800" b="1" dirty="0"/>
+              <a:t>or a canvas.</a:t>
+            </a:r>
+          </a:p>
+          <a:p>
+            <a:pPr algn="ctr"/>
+            <a:r>
+              <a:rPr lang="en-US" sz="4800" b="1" dirty="0"/>
+              <a:t>The designated color switching mechanism, differs our project from different plotter by now introducing a splash of color to the drawing.</a:t>
+            </a:r>
+            <a:endParaRPr lang="he-IL" sz="4800" b="1" dirty="0"/>
           </a:p>
         </p:txBody>
       </p:sp>
@@ -8706,6 +8917,280 @@
           <a:prstGeom prst="rect">
             <a:avLst/>
           </a:prstGeom>
+        </p:spPr>
+      </p:pic>
+      <p:sp>
+        <p:nvSpPr>
+          <p:cNvPr id="24" name="TextBox 23">
+            <a:extLst>
+              <a:ext uri="{FF2B5EF4-FFF2-40B4-BE49-F238E27FC236}">
+                <a16:creationId xmlns:a16="http://schemas.microsoft.com/office/drawing/2014/main" id="{8E9728FE-9C4A-4343-8022-105C043A62C6}"/>
+              </a:ext>
+            </a:extLst>
+          </p:cNvPr>
+          <p:cNvSpPr txBox="1"/>
+          <p:nvPr/>
+        </p:nvSpPr>
+        <p:spPr>
+          <a:xfrm>
+            <a:off x="6920864" y="30642719"/>
+            <a:ext cx="10278746" cy="1323439"/>
+          </a:xfrm>
+          <a:prstGeom prst="rect">
+            <a:avLst/>
+          </a:prstGeom>
+          <a:solidFill>
+            <a:schemeClr val="bg2">
+              <a:lumMod val="75000"/>
+            </a:schemeClr>
+          </a:solidFill>
+        </p:spPr>
+        <p:txBody>
+          <a:bodyPr wrap="square" rtlCol="0">
+            <a:spAutoFit/>
+          </a:bodyPr>
+          <a:lstStyle/>
+          <a:p>
+            <a:pPr algn="ctr"/>
+            <a:r>
+              <a:rPr lang="en-IL" sz="4000" b="1" dirty="0"/>
+              <a:t>Student’s names: </a:t>
+            </a:r>
+            <a:r>
+              <a:rPr lang="en-IL" sz="4000" dirty="0"/>
+              <a:t>Ilya Fradlin , Ariel Marber</a:t>
+            </a:r>
+          </a:p>
+          <a:p>
+            <a:pPr algn="ctr"/>
+            <a:r>
+              <a:rPr lang="en-IL" sz="4000" b="1" dirty="0"/>
+              <a:t>Instructor’s name: </a:t>
+            </a:r>
+            <a:r>
+              <a:rPr lang="en-IL" sz="4000" dirty="0"/>
+              <a:t>Harel Vaknin</a:t>
+            </a:r>
+          </a:p>
+        </p:txBody>
+      </p:sp>
+      <p:pic>
+        <p:nvPicPr>
+          <p:cNvPr id="18" name="Picture 17">
+            <a:extLst>
+              <a:ext uri="{FF2B5EF4-FFF2-40B4-BE49-F238E27FC236}">
+                <a16:creationId xmlns:a16="http://schemas.microsoft.com/office/drawing/2014/main" id="{3762659D-0FD3-7B4F-9AA7-927FB39F6DE0}"/>
+              </a:ext>
+            </a:extLst>
+          </p:cNvPr>
+          <p:cNvPicPr>
+            <a:picLocks noChangeAspect="1"/>
+          </p:cNvPicPr>
+          <p:nvPr/>
+        </p:nvPicPr>
+        <p:blipFill>
+          <a:blip r:embed="rId6"/>
+          <a:stretch>
+            <a:fillRect/>
+          </a:stretch>
+        </p:blipFill>
+        <p:spPr>
+          <a:xfrm>
+            <a:off x="2040209" y="5292317"/>
+            <a:ext cx="4575607" cy="3010268"/>
+          </a:xfrm>
+          <a:prstGeom prst="rect">
+            <a:avLst/>
+          </a:prstGeom>
+        </p:spPr>
+      </p:pic>
+      <p:sp>
+        <p:nvSpPr>
+          <p:cNvPr id="25" name="Rectangle 24">
+            <a:extLst>
+              <a:ext uri="{FF2B5EF4-FFF2-40B4-BE49-F238E27FC236}">
+                <a16:creationId xmlns:a16="http://schemas.microsoft.com/office/drawing/2014/main" id="{2CF24B99-C824-CB4D-A585-8298C4F57475}"/>
+              </a:ext>
+            </a:extLst>
+          </p:cNvPr>
+          <p:cNvSpPr/>
+          <p:nvPr/>
+        </p:nvSpPr>
+        <p:spPr>
+          <a:xfrm>
+            <a:off x="3351658" y="9270590"/>
+            <a:ext cx="16687800" cy="1200329"/>
+          </a:xfrm>
+          <a:prstGeom prst="rect">
+            <a:avLst/>
+          </a:prstGeom>
+          <a:noFill/>
+        </p:spPr>
+        <p:txBody>
+          <a:bodyPr wrap="square" lIns="91440" tIns="45720" rIns="91440" bIns="45720">
+            <a:spAutoFit/>
+          </a:bodyPr>
+          <a:lstStyle/>
+          <a:p>
+            <a:pPr algn="ctr"/>
+            <a:r>
+              <a:rPr lang="en-US" sz="7200" b="0" cap="none" spc="0" dirty="0">
+                <a:ln w="0"/>
+                <a:gradFill>
+                  <a:gsLst>
+                    <a:gs pos="0">
+                      <a:schemeClr val="accent5">
+                        <a:lumMod val="50000"/>
+                      </a:schemeClr>
+                    </a:gs>
+                    <a:gs pos="50000">
+                      <a:schemeClr val="accent5"/>
+                    </a:gs>
+                    <a:gs pos="100000">
+                      <a:schemeClr val="accent5">
+                        <a:lumMod val="60000"/>
+                        <a:lumOff val="40000"/>
+                      </a:schemeClr>
+                    </a:gs>
+                  </a:gsLst>
+                  <a:lin ang="5400000"/>
+                </a:gradFill>
+                <a:effectLst>
+                  <a:reflection blurRad="6350" stA="53000" endA="300" endPos="35500" dir="5400000" sy="-90000" algn="bl" rotWithShape="0"/>
+                </a:effectLst>
+                <a:latin typeface="Arial"/>
+                <a:cs typeface="Arial"/>
+              </a:rPr>
+              <a:t>Make your digital drawing come alive…</a:t>
+            </a:r>
+            <a:endParaRPr lang="en-IL" sz="7200" b="0" cap="none" spc="0" dirty="0">
+              <a:ln w="0"/>
+              <a:gradFill>
+                <a:gsLst>
+                  <a:gs pos="0">
+                    <a:schemeClr val="accent5">
+                      <a:lumMod val="50000"/>
+                    </a:schemeClr>
+                  </a:gs>
+                  <a:gs pos="50000">
+                    <a:schemeClr val="accent5"/>
+                  </a:gs>
+                  <a:gs pos="100000">
+                    <a:schemeClr val="accent5">
+                      <a:lumMod val="60000"/>
+                      <a:lumOff val="40000"/>
+                    </a:schemeClr>
+                  </a:gs>
+                </a:gsLst>
+                <a:lin ang="5400000"/>
+              </a:gradFill>
+              <a:effectLst>
+                <a:reflection blurRad="6350" stA="53000" endA="300" endPos="35500" dir="5400000" sy="-90000" algn="bl" rotWithShape="0"/>
+              </a:effectLst>
+            </a:endParaRPr>
+          </a:p>
+        </p:txBody>
+      </p:sp>
+      <p:pic>
+        <p:nvPicPr>
+          <p:cNvPr id="27" name="Picture 26" descr="A picture containing indoor&#10;&#10;Description automatically generated">
+            <a:extLst>
+              <a:ext uri="{FF2B5EF4-FFF2-40B4-BE49-F238E27FC236}">
+                <a16:creationId xmlns:a16="http://schemas.microsoft.com/office/drawing/2014/main" id="{2E525E28-A57C-B94C-9BC8-C212A791E9A1}"/>
+              </a:ext>
+            </a:extLst>
+          </p:cNvPr>
+          <p:cNvPicPr>
+            <a:picLocks noChangeAspect="1"/>
+          </p:cNvPicPr>
+          <p:nvPr/>
+        </p:nvPicPr>
+        <p:blipFill rotWithShape="1">
+          <a:blip r:embed="rId7">
+            <a:extLst>
+              <a:ext uri="{28A0092B-C50C-407E-A947-70E740481C1C}">
+                <a14:useLocalDpi xmlns:a14="http://schemas.microsoft.com/office/drawing/2010/main" val="0"/>
+              </a:ext>
+            </a:extLst>
+          </a:blip>
+          <a:srcRect l="1038" t="1932" r="29562"/>
+          <a:stretch/>
+        </p:blipFill>
+        <p:spPr>
+          <a:xfrm rot="5400000">
+            <a:off x="800506" y="18005600"/>
+            <a:ext cx="11752040" cy="9349378"/>
+          </a:xfrm>
+          <a:prstGeom prst="round2DiagRect">
+            <a:avLst>
+              <a:gd name="adj1" fmla="val 16667"/>
+              <a:gd name="adj2" fmla="val 0"/>
+            </a:avLst>
+          </a:prstGeom>
+          <a:ln w="88900" cap="sq">
+            <a:solidFill>
+              <a:srgbClr val="FFFFFF"/>
+            </a:solidFill>
+            <a:miter lim="800000"/>
+          </a:ln>
+          <a:effectLst>
+            <a:outerShdw blurRad="254000" algn="tl" rotWithShape="0">
+              <a:srgbClr val="000000">
+                <a:alpha val="43000"/>
+              </a:srgbClr>
+            </a:outerShdw>
+          </a:effectLst>
+        </p:spPr>
+      </p:pic>
+      <p:pic>
+        <p:nvPicPr>
+          <p:cNvPr id="29" name="Picture 28" descr="A picture containing projector&#10;&#10;Description automatically generated">
+            <a:extLst>
+              <a:ext uri="{FF2B5EF4-FFF2-40B4-BE49-F238E27FC236}">
+                <a16:creationId xmlns:a16="http://schemas.microsoft.com/office/drawing/2014/main" id="{3331553B-5468-A449-A813-BDCD70E06A33}"/>
+              </a:ext>
+            </a:extLst>
+          </p:cNvPr>
+          <p:cNvPicPr>
+            <a:picLocks noChangeAspect="1"/>
+          </p:cNvPicPr>
+          <p:nvPr/>
+        </p:nvPicPr>
+        <p:blipFill rotWithShape="1">
+          <a:blip r:embed="rId8">
+            <a:extLst>
+              <a:ext uri="{28A0092B-C50C-407E-A947-70E740481C1C}">
+                <a14:useLocalDpi xmlns:a14="http://schemas.microsoft.com/office/drawing/2010/main" val="0"/>
+              </a:ext>
+            </a:extLst>
+          </a:blip>
+          <a:srcRect l="1540" t="-937" r="24245" b="-1"/>
+          <a:stretch/>
+        </p:blipFill>
+        <p:spPr>
+          <a:xfrm rot="5400000">
+            <a:off x="12182493" y="18180863"/>
+            <a:ext cx="11752040" cy="8998853"/>
+          </a:xfrm>
+          <a:prstGeom prst="round2DiagRect">
+            <a:avLst>
+              <a:gd name="adj1" fmla="val 16667"/>
+              <a:gd name="adj2" fmla="val 0"/>
+            </a:avLst>
+          </a:prstGeom>
+          <a:ln w="88900" cap="sq">
+            <a:solidFill>
+              <a:srgbClr val="FFFFFF"/>
+            </a:solidFill>
+            <a:miter lim="800000"/>
+          </a:ln>
+          <a:effectLst>
+            <a:outerShdw blurRad="254000" algn="tl" rotWithShape="0">
+              <a:srgbClr val="000000">
+                <a:alpha val="43000"/>
+              </a:srgbClr>
+            </a:outerShdw>
+          </a:effectLst>
         </p:spPr>
       </p:pic>
     </p:spTree>
@@ -8997,4 +9482,299 @@
   <a:objectDefaults/>
   <a:extraClrSchemeLst/>
 </a:theme>
+</file>
+
+<file path=ppt/theme/theme2.xml><?xml version="1.0" encoding="utf-8"?>
+<a:theme xmlns:a="http://schemas.openxmlformats.org/drawingml/2006/main" name="Office Theme">
+  <a:themeElements>
+    <a:clrScheme name="Office">
+      <a:dk1>
+        <a:sysClr val="windowText" lastClr="000000"/>
+      </a:dk1>
+      <a:lt1>
+        <a:sysClr val="window" lastClr="FFFFFF"/>
+      </a:lt1>
+      <a:dk2>
+        <a:srgbClr val="44546A"/>
+      </a:dk2>
+      <a:lt2>
+        <a:srgbClr val="E7E6E6"/>
+      </a:lt2>
+      <a:accent1>
+        <a:srgbClr val="4472C4"/>
+      </a:accent1>
+      <a:accent2>
+        <a:srgbClr val="ED7D31"/>
+      </a:accent2>
+      <a:accent3>
+        <a:srgbClr val="A5A5A5"/>
+      </a:accent3>
+      <a:accent4>
+        <a:srgbClr val="FFC000"/>
+      </a:accent4>
+      <a:accent5>
+        <a:srgbClr val="5B9BD5"/>
+      </a:accent5>
+      <a:accent6>
+        <a:srgbClr val="70AD47"/>
+      </a:accent6>
+      <a:hlink>
+        <a:srgbClr val="0563C1"/>
+      </a:hlink>
+      <a:folHlink>
+        <a:srgbClr val="954F72"/>
+      </a:folHlink>
+    </a:clrScheme>
+    <a:fontScheme name="Office">
+      <a:majorFont>
+        <a:latin typeface="Calibri Light" panose="020F0302020204030204"/>
+        <a:ea typeface=""/>
+        <a:cs typeface=""/>
+        <a:font script="Jpan" typeface="游ゴシック Light"/>
+        <a:font script="Hang" typeface="맑은 고딕"/>
+        <a:font script="Hans" typeface="等线 Light"/>
+        <a:font script="Hant" typeface="新細明體"/>
+        <a:font script="Arab" typeface="Times New Roman"/>
+        <a:font script="Hebr" typeface="Times New Roman"/>
+        <a:font script="Thai" typeface="Angsana New"/>
+        <a:font script="Ethi" typeface="Nyala"/>
+        <a:font script="Beng" typeface="Vrinda"/>
+        <a:font script="Gujr" typeface="Shruti"/>
+        <a:font script="Khmr" typeface="MoolBoran"/>
+        <a:font script="Knda" typeface="Tunga"/>
+        <a:font script="Guru" typeface="Raavi"/>
+        <a:font script="Cans" typeface="Euphemia"/>
+        <a:font script="Cher" typeface="Plantagenet Cherokee"/>
+        <a:font script="Yiii" typeface="Microsoft Yi Baiti"/>
+        <a:font script="Tibt" typeface="Microsoft Himalaya"/>
+        <a:font script="Thaa" typeface="MV Boli"/>
+        <a:font script="Deva" typeface="Mangal"/>
+        <a:font script="Telu" typeface="Gautami"/>
+        <a:font script="Taml" typeface="Latha"/>
+        <a:font script="Syrc" typeface="Estrangelo Edessa"/>
+        <a:font script="Orya" typeface="Kalinga"/>
+        <a:font script="Mlym" typeface="Kartika"/>
+        <a:font script="Laoo" typeface="DokChampa"/>
+        <a:font script="Sinh" typeface="Iskoola Pota"/>
+        <a:font script="Mong" typeface="Mongolian Baiti"/>
+        <a:font script="Viet" typeface="Times New Roman"/>
+        <a:font script="Uigh" typeface="Microsoft Uighur"/>
+        <a:font script="Geor" typeface="Sylfaen"/>
+        <a:font script="Armn" typeface="Arial"/>
+        <a:font script="Bugi" typeface="Leelawadee UI"/>
+        <a:font script="Bopo" typeface="Microsoft JhengHei"/>
+        <a:font script="Java" typeface="Javanese Text"/>
+        <a:font script="Lisu" typeface="Segoe UI"/>
+        <a:font script="Mymr" typeface="Myanmar Text"/>
+        <a:font script="Nkoo" typeface="Ebrima"/>
+        <a:font script="Olck" typeface="Nirmala UI"/>
+        <a:font script="Osma" typeface="Ebrima"/>
+        <a:font script="Phag" typeface="Phagspa"/>
+        <a:font script="Syrn" typeface="Estrangelo Edessa"/>
+        <a:font script="Syrj" typeface="Estrangelo Edessa"/>
+        <a:font script="Syre" typeface="Estrangelo Edessa"/>
+        <a:font script="Sora" typeface="Nirmala UI"/>
+        <a:font script="Tale" typeface="Microsoft Tai Le"/>
+        <a:font script="Talu" typeface="Microsoft New Tai Lue"/>
+        <a:font script="Tfng" typeface="Ebrima"/>
+      </a:majorFont>
+      <a:minorFont>
+        <a:latin typeface="Calibri" panose="020F0502020204030204"/>
+        <a:ea typeface=""/>
+        <a:cs typeface=""/>
+        <a:font script="Jpan" typeface="游ゴシック"/>
+        <a:font script="Hang" typeface="맑은 고딕"/>
+        <a:font script="Hans" typeface="等线"/>
+        <a:font script="Hant" typeface="新細明體"/>
+        <a:font script="Arab" typeface="Arial"/>
+        <a:font script="Hebr" typeface="Arial"/>
+        <a:font script="Thai" typeface="Cordia New"/>
+        <a:font script="Ethi" typeface="Nyala"/>
+        <a:font script="Beng" typeface="Vrinda"/>
+        <a:font script="Gujr" typeface="Shruti"/>
+        <a:font script="Khmr" typeface="DaunPenh"/>
+        <a:font script="Knda" typeface="Tunga"/>
+        <a:font script="Guru" typeface="Raavi"/>
+        <a:font script="Cans" typeface="Euphemia"/>
+        <a:font script="Cher" typeface="Plantagenet Cherokee"/>
+        <a:font script="Yiii" typeface="Microsoft Yi Baiti"/>
+        <a:font script="Tibt" typeface="Microsoft Himalaya"/>
+        <a:font script="Thaa" typeface="MV Boli"/>
+        <a:font script="Deva" typeface="Mangal"/>
+        <a:font script="Telu" typeface="Gautami"/>
+        <a:font script="Taml" typeface="Latha"/>
+        <a:font script="Syrc" typeface="Estrangelo Edessa"/>
+        <a:font script="Orya" typeface="Kalinga"/>
+        <a:font script="Mlym" typeface="Kartika"/>
+        <a:font script="Laoo" typeface="DokChampa"/>
+        <a:font script="Sinh" typeface="Iskoola Pota"/>
+        <a:font script="Mong" typeface="Mongolian Baiti"/>
+        <a:font script="Viet" typeface="Arial"/>
+        <a:font script="Uigh" typeface="Microsoft Uighur"/>
+        <a:font script="Geor" typeface="Sylfaen"/>
+        <a:font script="Armn" typeface="Arial"/>
+        <a:font script="Bugi" typeface="Leelawadee UI"/>
+        <a:font script="Bopo" typeface="Microsoft JhengHei"/>
+        <a:font script="Java" typeface="Javanese Text"/>
+        <a:font script="Lisu" typeface="Segoe UI"/>
+        <a:font script="Mymr" typeface="Myanmar Text"/>
+        <a:font script="Nkoo" typeface="Ebrima"/>
+        <a:font script="Olck" typeface="Nirmala UI"/>
+        <a:font script="Osma" typeface="Ebrima"/>
+        <a:font script="Phag" typeface="Phagspa"/>
+        <a:font script="Syrn" typeface="Estrangelo Edessa"/>
+        <a:font script="Syrj" typeface="Estrangelo Edessa"/>
+        <a:font script="Syre" typeface="Estrangelo Edessa"/>
+        <a:font script="Sora" typeface="Nirmala UI"/>
+        <a:font script="Tale" typeface="Microsoft Tai Le"/>
+        <a:font script="Talu" typeface="Microsoft New Tai Lue"/>
+        <a:font script="Tfng" typeface="Ebrima"/>
+      </a:minorFont>
+    </a:fontScheme>
+    <a:fmtScheme name="Office">
+      <a:fillStyleLst>
+        <a:solidFill>
+          <a:schemeClr val="phClr"/>
+        </a:solidFill>
+        <a:gradFill rotWithShape="1">
+          <a:gsLst>
+            <a:gs pos="0">
+              <a:schemeClr val="phClr">
+                <a:lumMod val="110000"/>
+                <a:satMod val="105000"/>
+                <a:tint val="67000"/>
+              </a:schemeClr>
+            </a:gs>
+            <a:gs pos="50000">
+              <a:schemeClr val="phClr">
+                <a:lumMod val="105000"/>
+                <a:satMod val="103000"/>
+                <a:tint val="73000"/>
+              </a:schemeClr>
+            </a:gs>
+            <a:gs pos="100000">
+              <a:schemeClr val="phClr">
+                <a:lumMod val="105000"/>
+                <a:satMod val="109000"/>
+                <a:tint val="81000"/>
+              </a:schemeClr>
+            </a:gs>
+          </a:gsLst>
+          <a:lin ang="5400000" scaled="0"/>
+        </a:gradFill>
+        <a:gradFill rotWithShape="1">
+          <a:gsLst>
+            <a:gs pos="0">
+              <a:schemeClr val="phClr">
+                <a:satMod val="103000"/>
+                <a:lumMod val="102000"/>
+                <a:tint val="94000"/>
+              </a:schemeClr>
+            </a:gs>
+            <a:gs pos="50000">
+              <a:schemeClr val="phClr">
+                <a:satMod val="110000"/>
+                <a:lumMod val="100000"/>
+                <a:shade val="100000"/>
+              </a:schemeClr>
+            </a:gs>
+            <a:gs pos="100000">
+              <a:schemeClr val="phClr">
+                <a:lumMod val="99000"/>
+                <a:satMod val="120000"/>
+                <a:shade val="78000"/>
+              </a:schemeClr>
+            </a:gs>
+          </a:gsLst>
+          <a:lin ang="5400000" scaled="0"/>
+        </a:gradFill>
+      </a:fillStyleLst>
+      <a:lnStyleLst>
+        <a:ln w="6350" cap="flat" cmpd="sng" algn="ctr">
+          <a:solidFill>
+            <a:schemeClr val="phClr"/>
+          </a:solidFill>
+          <a:prstDash val="solid"/>
+          <a:miter lim="800000"/>
+        </a:ln>
+        <a:ln w="12700" cap="flat" cmpd="sng" algn="ctr">
+          <a:solidFill>
+            <a:schemeClr val="phClr"/>
+          </a:solidFill>
+          <a:prstDash val="solid"/>
+          <a:miter lim="800000"/>
+        </a:ln>
+        <a:ln w="19050" cap="flat" cmpd="sng" algn="ctr">
+          <a:solidFill>
+            <a:schemeClr val="phClr"/>
+          </a:solidFill>
+          <a:prstDash val="solid"/>
+          <a:miter lim="800000"/>
+        </a:ln>
+      </a:lnStyleLst>
+      <a:effectStyleLst>
+        <a:effectStyle>
+          <a:effectLst/>
+        </a:effectStyle>
+        <a:effectStyle>
+          <a:effectLst/>
+        </a:effectStyle>
+        <a:effectStyle>
+          <a:effectLst>
+            <a:outerShdw blurRad="57150" dist="19050" dir="5400000" algn="ctr" rotWithShape="0">
+              <a:srgbClr val="000000">
+                <a:alpha val="63000"/>
+              </a:srgbClr>
+            </a:outerShdw>
+          </a:effectLst>
+        </a:effectStyle>
+      </a:effectStyleLst>
+      <a:bgFillStyleLst>
+        <a:solidFill>
+          <a:schemeClr val="phClr"/>
+        </a:solidFill>
+        <a:solidFill>
+          <a:schemeClr val="phClr">
+            <a:tint val="95000"/>
+            <a:satMod val="170000"/>
+          </a:schemeClr>
+        </a:solidFill>
+        <a:gradFill rotWithShape="1">
+          <a:gsLst>
+            <a:gs pos="0">
+              <a:schemeClr val="phClr">
+                <a:tint val="93000"/>
+                <a:satMod val="150000"/>
+                <a:shade val="98000"/>
+                <a:lumMod val="102000"/>
+              </a:schemeClr>
+            </a:gs>
+            <a:gs pos="50000">
+              <a:schemeClr val="phClr">
+                <a:tint val="98000"/>
+                <a:satMod val="130000"/>
+                <a:shade val="90000"/>
+                <a:lumMod val="103000"/>
+              </a:schemeClr>
+            </a:gs>
+            <a:gs pos="100000">
+              <a:schemeClr val="phClr">
+                <a:shade val="63000"/>
+                <a:satMod val="120000"/>
+              </a:schemeClr>
+            </a:gs>
+          </a:gsLst>
+          <a:lin ang="5400000" scaled="0"/>
+        </a:gradFill>
+      </a:bgFillStyleLst>
+    </a:fmtScheme>
+  </a:themeElements>
+  <a:objectDefaults/>
+  <a:extraClrSchemeLst/>
+  <a:extLst>
+    <a:ext uri="{05A4C25C-085E-4340-85A3-A5531E510DB2}">
+      <thm15:themeFamily xmlns:thm15="http://schemas.microsoft.com/office/thememl/2012/main" name="Office Theme" id="{62F939B6-93AF-4DB8-9C6B-D6C7DFDC589F}" vid="{4A3C46E8-61CC-4603-A589-7422A47A8E4A}"/>
+    </a:ext>
+  </a:extLst>
+</a:theme>
 </file>